--- a/game/2048 game.pptx
+++ b/game/2048 game.pptx
@@ -5,20 +5,25 @@
     <p:sldMasterId id="2147483744" r:id="rId4"/>
   </p:sldMasterIdLst>
   <p:notesMasterIdLst>
-    <p:notesMasterId r:id="rId13"/>
+    <p:notesMasterId r:id="rId18"/>
   </p:notesMasterIdLst>
   <p:handoutMasterIdLst>
-    <p:handoutMasterId r:id="rId14"/>
+    <p:handoutMasterId r:id="rId19"/>
   </p:handoutMasterIdLst>
   <p:sldIdLst>
     <p:sldId id="256" r:id="rId5"/>
     <p:sldId id="257" r:id="rId6"/>
-    <p:sldId id="258" r:id="rId7"/>
-    <p:sldId id="259" r:id="rId8"/>
-    <p:sldId id="260" r:id="rId9"/>
-    <p:sldId id="261" r:id="rId10"/>
-    <p:sldId id="262" r:id="rId11"/>
-    <p:sldId id="263" r:id="rId12"/>
+    <p:sldId id="265" r:id="rId7"/>
+    <p:sldId id="258" r:id="rId8"/>
+    <p:sldId id="259" r:id="rId9"/>
+    <p:sldId id="264" r:id="rId10"/>
+    <p:sldId id="260" r:id="rId11"/>
+    <p:sldId id="261" r:id="rId12"/>
+    <p:sldId id="266" r:id="rId13"/>
+    <p:sldId id="267" r:id="rId14"/>
+    <p:sldId id="268" r:id="rId15"/>
+    <p:sldId id="262" r:id="rId16"/>
+    <p:sldId id="263" r:id="rId17"/>
   </p:sldIdLst>
   <p:sldSz cx="12192000" cy="6858000"/>
   <p:notesSz cx="6858000" cy="9144000"/>
@@ -233,7 +238,7 @@
           <a:p>
             <a:fld id="{866D81A9-CFC2-4640-899E-DD3E177BE50A}" type="datetimeFigureOut">
               <a:rPr lang="en-US" smtClean="0"/>
-              <a:t>2/9/2024</a:t>
+              <a:t>2/11/2024</a:t>
             </a:fld>
             <a:endParaRPr lang="en-US" dirty="0"/>
           </a:p>
@@ -410,7 +415,7 @@
           <a:p>
             <a:fld id="{AA1E50F4-C55A-473A-A70B-4B042EF011A9}" type="datetimeFigureOut">
               <a:rPr lang="en-US" smtClean="0"/>
-              <a:t>2/9/2024</a:t>
+              <a:t>2/11/2024</a:t>
             </a:fld>
             <a:endParaRPr lang="en-US" dirty="0"/>
           </a:p>
@@ -907,7 +912,7 @@
             <a:fld id="{87DE6118-2437-4B30-8E3C-4D2BE6020583}" type="datetimeFigureOut">
               <a:rPr lang="en-US" smtClean="0"/>
               <a:pPr/>
-              <a:t>2/9/2024</a:t>
+              <a:t>2/11/2024</a:t>
             </a:fld>
             <a:endParaRPr lang="en-US" dirty="0"/>
           </a:p>
@@ -1243,7 +1248,7 @@
             <a:fld id="{87DE6118-2437-4B30-8E3C-4D2BE6020583}" type="datetimeFigureOut">
               <a:rPr lang="en-US" smtClean="0"/>
               <a:pPr/>
-              <a:t>2/9/2024</a:t>
+              <a:t>2/11/2024</a:t>
             </a:fld>
             <a:endParaRPr lang="en-US" dirty="0"/>
           </a:p>
@@ -1523,7 +1528,7 @@
             <a:fld id="{87DE6118-2437-4B30-8E3C-4D2BE6020583}" type="datetimeFigureOut">
               <a:rPr lang="en-US" smtClean="0"/>
               <a:pPr/>
-              <a:t>2/9/2024</a:t>
+              <a:t>2/11/2024</a:t>
             </a:fld>
             <a:endParaRPr lang="en-US" dirty="0"/>
           </a:p>
@@ -2093,7 +2098,7 @@
             <a:fld id="{87DE6118-2437-4B30-8E3C-4D2BE6020583}" type="datetimeFigureOut">
               <a:rPr lang="en-US" smtClean="0"/>
               <a:pPr/>
-              <a:t>2/9/2024</a:t>
+              <a:t>2/11/2024</a:t>
             </a:fld>
             <a:endParaRPr lang="en-US" dirty="0"/>
           </a:p>
@@ -2373,7 +2378,7 @@
             <a:fld id="{87DE6118-2437-4B30-8E3C-4D2BE6020583}" type="datetimeFigureOut">
               <a:rPr lang="en-US" smtClean="0"/>
               <a:pPr/>
-              <a:t>2/9/2024</a:t>
+              <a:t>2/11/2024</a:t>
             </a:fld>
             <a:endParaRPr lang="en-US" dirty="0"/>
           </a:p>
@@ -2937,7 +2942,7 @@
             <a:fld id="{87DE6118-2437-4B30-8E3C-4D2BE6020583}" type="datetimeFigureOut">
               <a:rPr lang="en-US" smtClean="0"/>
               <a:pPr/>
-              <a:t>2/9/2024</a:t>
+              <a:t>2/11/2024</a:t>
             </a:fld>
             <a:endParaRPr lang="en-US" dirty="0"/>
           </a:p>
@@ -3266,7 +3271,7 @@
             <a:fld id="{87DE6118-2437-4B30-8E3C-4D2BE6020583}" type="datetimeFigureOut">
               <a:rPr lang="en-US" smtClean="0"/>
               <a:pPr/>
-              <a:t>2/9/2024</a:t>
+              <a:t>2/11/2024</a:t>
             </a:fld>
             <a:endParaRPr lang="en-US" dirty="0"/>
           </a:p>
@@ -3472,7 +3477,7 @@
           <a:p>
             <a:fld id="{87DE6118-2437-4B30-8E3C-4D2BE6020583}" type="datetimeFigureOut">
               <a:rPr lang="en-US" smtClean="0"/>
-              <a:t>2/9/2024</a:t>
+              <a:t>2/11/2024</a:t>
             </a:fld>
             <a:endParaRPr lang="en-US" dirty="0"/>
           </a:p>
@@ -3682,7 +3687,7 @@
           <a:p>
             <a:fld id="{87DE6118-2437-4B30-8E3C-4D2BE6020583}" type="datetimeFigureOut">
               <a:rPr lang="en-US" smtClean="0"/>
-              <a:t>2/9/2024</a:t>
+              <a:t>2/11/2024</a:t>
             </a:fld>
             <a:endParaRPr lang="en-US" dirty="0"/>
           </a:p>
@@ -3882,7 +3887,7 @@
           <a:p>
             <a:fld id="{87DE6118-2437-4B30-8E3C-4D2BE6020583}" type="datetimeFigureOut">
               <a:rPr lang="en-US" smtClean="0"/>
-              <a:t>2/9/2024</a:t>
+              <a:t>2/11/2024</a:t>
             </a:fld>
             <a:endParaRPr lang="en-US" dirty="0"/>
           </a:p>
@@ -4159,7 +4164,7 @@
             <a:fld id="{87DE6118-2437-4B30-8E3C-4D2BE6020583}" type="datetimeFigureOut">
               <a:rPr lang="en-US" smtClean="0"/>
               <a:pPr/>
-              <a:t>2/9/2024</a:t>
+              <a:t>2/11/2024</a:t>
             </a:fld>
             <a:endParaRPr lang="en-US" dirty="0"/>
           </a:p>
@@ -4426,7 +4431,7 @@
           <a:p>
             <a:fld id="{87DE6118-2437-4B30-8E3C-4D2BE6020583}" type="datetimeFigureOut">
               <a:rPr lang="en-US" smtClean="0"/>
-              <a:t>2/9/2024</a:t>
+              <a:t>2/11/2024</a:t>
             </a:fld>
             <a:endParaRPr lang="en-US" dirty="0"/>
           </a:p>
@@ -4800,7 +4805,7 @@
           <a:p>
             <a:fld id="{87DE6118-2437-4B30-8E3C-4D2BE6020583}" type="datetimeFigureOut">
               <a:rPr lang="en-US" smtClean="0"/>
-              <a:t>2/9/2024</a:t>
+              <a:t>2/11/2024</a:t>
             </a:fld>
             <a:endParaRPr lang="en-US" dirty="0"/>
           </a:p>
@@ -4948,7 +4953,7 @@
           <a:p>
             <a:fld id="{87DE6118-2437-4B30-8E3C-4D2BE6020583}" type="datetimeFigureOut">
               <a:rPr lang="en-US" smtClean="0"/>
-              <a:t>2/9/2024</a:t>
+              <a:t>2/11/2024</a:t>
             </a:fld>
             <a:endParaRPr lang="en-US" dirty="0"/>
           </a:p>
@@ -5073,7 +5078,7 @@
           <a:p>
             <a:fld id="{87DE6118-2437-4B30-8E3C-4D2BE6020583}" type="datetimeFigureOut">
               <a:rPr lang="en-US" smtClean="0"/>
-              <a:t>2/9/2024</a:t>
+              <a:t>2/11/2024</a:t>
             </a:fld>
             <a:endParaRPr lang="en-US" dirty="0"/>
           </a:p>
@@ -5359,7 +5364,7 @@
             <a:fld id="{87DE6118-2437-4B30-8E3C-4D2BE6020583}" type="datetimeFigureOut">
               <a:rPr lang="en-US" smtClean="0"/>
               <a:pPr/>
-              <a:t>2/9/2024</a:t>
+              <a:t>2/11/2024</a:t>
             </a:fld>
             <a:endParaRPr lang="en-US" dirty="0"/>
           </a:p>
@@ -5685,7 +5690,7 @@
             <a:fld id="{87DE6118-2437-4B30-8E3C-4D2BE6020583}" type="datetimeFigureOut">
               <a:rPr lang="en-US" smtClean="0"/>
               <a:pPr/>
-              <a:t>2/9/2024</a:t>
+              <a:t>2/11/2024</a:t>
             </a:fld>
             <a:endParaRPr lang="en-US" dirty="0"/>
           </a:p>
@@ -5901,7 +5906,7 @@
             <a:fld id="{87DE6118-2437-4B30-8E3C-4D2BE6020583}" type="datetimeFigureOut">
               <a:rPr lang="en-US" smtClean="0"/>
               <a:pPr/>
-              <a:t>2/9/2024</a:t>
+              <a:t>2/11/2024</a:t>
             </a:fld>
             <a:endParaRPr lang="en-US" dirty="0"/>
           </a:p>
@@ -6511,6 +6516,447 @@
   <p:clrMapOvr>
     <a:masterClrMapping/>
   </p:clrMapOvr>
+  <p:timing>
+    <p:tnLst>
+      <p:par>
+        <p:cTn id="1" dur="indefinite" restart="never" nodeType="tmRoot"/>
+      </p:par>
+    </p:tnLst>
+  </p:timing>
+</p:sld>
+</file>
+
+<file path=ppt/slides/slide10.xml><?xml version="1.0" encoding="utf-8"?>
+<p:sld xmlns:a="http://schemas.openxmlformats.org/drawingml/2006/main" xmlns:r="http://schemas.openxmlformats.org/officeDocument/2006/relationships" xmlns:p="http://schemas.openxmlformats.org/presentationml/2006/main">
+  <p:cSld>
+    <p:spTree>
+      <p:nvGrpSpPr>
+        <p:cNvPr id="1" name=""/>
+        <p:cNvGrpSpPr/>
+        <p:nvPr/>
+      </p:nvGrpSpPr>
+      <p:grpSpPr>
+        <a:xfrm>
+          <a:off x="0" y="0"/>
+          <a:ext cx="0" cy="0"/>
+          <a:chOff x="0" y="0"/>
+          <a:chExt cx="0" cy="0"/>
+        </a:xfrm>
+      </p:grpSpPr>
+      <p:sp>
+        <p:nvSpPr>
+          <p:cNvPr id="2" name="Title 1"/>
+          <p:cNvSpPr>
+            <a:spLocks noGrp="1"/>
+          </p:cNvSpPr>
+          <p:nvPr>
+            <p:ph type="title"/>
+          </p:nvPr>
+        </p:nvSpPr>
+        <p:spPr/>
+        <p:txBody>
+          <a:bodyPr/>
+          <a:lstStyle/>
+          <a:p>
+            <a:pPr algn="ctr"/>
+            <a:r>
+              <a:rPr lang="en-US" dirty="0" smtClean="0"/>
+              <a:t>Backend View</a:t>
+            </a:r>
+            <a:endParaRPr lang="en-US" dirty="0"/>
+          </a:p>
+        </p:txBody>
+      </p:sp>
+      <p:pic>
+        <p:nvPicPr>
+          <p:cNvPr id="4" name="Content Placeholder 3"/>
+          <p:cNvPicPr>
+            <a:picLocks noGrp="1" noChangeAspect="1"/>
+          </p:cNvPicPr>
+          <p:nvPr>
+            <p:ph idx="1"/>
+          </p:nvPr>
+        </p:nvPicPr>
+        <p:blipFill>
+          <a:blip r:embed="rId2"/>
+          <a:stretch>
+            <a:fillRect/>
+          </a:stretch>
+        </p:blipFill>
+        <p:spPr>
+          <a:xfrm>
+            <a:off x="1389321" y="1889053"/>
+            <a:ext cx="8839199" cy="4436471"/>
+          </a:xfrm>
+          <a:prstGeom prst="rect">
+            <a:avLst/>
+          </a:prstGeom>
+        </p:spPr>
+      </p:pic>
+      <p:sp>
+        <p:nvSpPr>
+          <p:cNvPr id="5" name="TextBox 4"/>
+          <p:cNvSpPr txBox="1"/>
+          <p:nvPr/>
+        </p:nvSpPr>
+        <p:spPr>
+          <a:xfrm>
+            <a:off x="4954138" y="6393976"/>
+            <a:ext cx="2210937" cy="369332"/>
+          </a:xfrm>
+          <a:prstGeom prst="rect">
+            <a:avLst/>
+          </a:prstGeom>
+          <a:noFill/>
+        </p:spPr>
+        <p:txBody>
+          <a:bodyPr wrap="square" rtlCol="0">
+            <a:spAutoFit/>
+          </a:bodyPr>
+          <a:lstStyle/>
+          <a:p>
+            <a:r>
+              <a:rPr lang="en-US" dirty="0" smtClean="0"/>
+              <a:t>Full Picture </a:t>
+            </a:r>
+            <a:endParaRPr lang="en-US" dirty="0"/>
+          </a:p>
+        </p:txBody>
+      </p:sp>
+    </p:spTree>
+    <p:extLst>
+      <p:ext uri="{BB962C8B-B14F-4D97-AF65-F5344CB8AC3E}">
+        <p14:creationId xmlns:p14="http://schemas.microsoft.com/office/powerpoint/2010/main" val="2734287205"/>
+      </p:ext>
+    </p:extLst>
+  </p:cSld>
+  <p:clrMapOvr>
+    <a:masterClrMapping/>
+  </p:clrMapOvr>
+  <p:timing>
+    <p:tnLst>
+      <p:par>
+        <p:cTn id="1" dur="indefinite" restart="never" nodeType="tmRoot"/>
+      </p:par>
+    </p:tnLst>
+  </p:timing>
+</p:sld>
+</file>
+
+<file path=ppt/slides/slide11.xml><?xml version="1.0" encoding="utf-8"?>
+<p:sld xmlns:a="http://schemas.openxmlformats.org/drawingml/2006/main" xmlns:r="http://schemas.openxmlformats.org/officeDocument/2006/relationships" xmlns:p="http://schemas.openxmlformats.org/presentationml/2006/main">
+  <p:cSld>
+    <p:spTree>
+      <p:nvGrpSpPr>
+        <p:cNvPr id="1" name=""/>
+        <p:cNvGrpSpPr/>
+        <p:nvPr/>
+      </p:nvGrpSpPr>
+      <p:grpSpPr>
+        <a:xfrm>
+          <a:off x="0" y="0"/>
+          <a:ext cx="0" cy="0"/>
+          <a:chOff x="0" y="0"/>
+          <a:chExt cx="0" cy="0"/>
+        </a:xfrm>
+      </p:grpSpPr>
+      <p:sp>
+        <p:nvSpPr>
+          <p:cNvPr id="2" name="Title 1"/>
+          <p:cNvSpPr>
+            <a:spLocks noGrp="1"/>
+          </p:cNvSpPr>
+          <p:nvPr>
+            <p:ph type="title"/>
+          </p:nvPr>
+        </p:nvSpPr>
+        <p:spPr/>
+        <p:txBody>
+          <a:bodyPr/>
+          <a:lstStyle/>
+          <a:p>
+            <a:pPr algn="ctr"/>
+            <a:r>
+              <a:rPr lang="en-US" dirty="0" smtClean="0"/>
+              <a:t> frontend  view</a:t>
+            </a:r>
+            <a:endParaRPr lang="en-US" dirty="0"/>
+          </a:p>
+        </p:txBody>
+      </p:sp>
+      <p:pic>
+        <p:nvPicPr>
+          <p:cNvPr id="4" name="Content Placeholder 3"/>
+          <p:cNvPicPr>
+            <a:picLocks noGrp="1" noChangeAspect="1"/>
+          </p:cNvPicPr>
+          <p:nvPr>
+            <p:ph idx="1"/>
+          </p:nvPr>
+        </p:nvPicPr>
+        <p:blipFill>
+          <a:blip r:embed="rId2"/>
+          <a:stretch>
+            <a:fillRect/>
+          </a:stretch>
+        </p:blipFill>
+        <p:spPr>
+          <a:xfrm>
+            <a:off x="1617260" y="2141537"/>
+            <a:ext cx="8639033" cy="4450331"/>
+          </a:xfrm>
+          <a:prstGeom prst="rect">
+            <a:avLst/>
+          </a:prstGeom>
+        </p:spPr>
+      </p:pic>
+    </p:spTree>
+    <p:extLst>
+      <p:ext uri="{BB962C8B-B14F-4D97-AF65-F5344CB8AC3E}">
+        <p14:creationId xmlns:p14="http://schemas.microsoft.com/office/powerpoint/2010/main" val="3155204799"/>
+      </p:ext>
+    </p:extLst>
+  </p:cSld>
+  <p:clrMapOvr>
+    <a:masterClrMapping/>
+  </p:clrMapOvr>
+</p:sld>
+</file>
+
+<file path=ppt/slides/slide12.xml><?xml version="1.0" encoding="utf-8"?>
+<p:sld xmlns:a="http://schemas.openxmlformats.org/drawingml/2006/main" xmlns:r="http://schemas.openxmlformats.org/officeDocument/2006/relationships" xmlns:p="http://schemas.openxmlformats.org/presentationml/2006/main">
+  <p:cSld>
+    <p:spTree>
+      <p:nvGrpSpPr>
+        <p:cNvPr id="1" name=""/>
+        <p:cNvGrpSpPr/>
+        <p:nvPr/>
+      </p:nvGrpSpPr>
+      <p:grpSpPr>
+        <a:xfrm>
+          <a:off x="0" y="0"/>
+          <a:ext cx="0" cy="0"/>
+          <a:chOff x="0" y="0"/>
+          <a:chExt cx="0" cy="0"/>
+        </a:xfrm>
+      </p:grpSpPr>
+      <p:sp>
+        <p:nvSpPr>
+          <p:cNvPr id="2" name="Title 1"/>
+          <p:cNvSpPr>
+            <a:spLocks noGrp="1"/>
+          </p:cNvSpPr>
+          <p:nvPr>
+            <p:ph type="title"/>
+          </p:nvPr>
+        </p:nvSpPr>
+        <p:spPr/>
+        <p:txBody>
+          <a:bodyPr/>
+          <a:lstStyle/>
+          <a:p>
+            <a:pPr algn="ctr"/>
+            <a:r>
+              <a:rPr lang="en-US" b="1" dirty="0"/>
+              <a:t>Conclusion</a:t>
+            </a:r>
+            <a:endParaRPr lang="en-US" dirty="0"/>
+          </a:p>
+        </p:txBody>
+      </p:sp>
+      <p:sp>
+        <p:nvSpPr>
+          <p:cNvPr id="3" name="Content Placeholder 2"/>
+          <p:cNvSpPr>
+            <a:spLocks noGrp="1"/>
+          </p:cNvSpPr>
+          <p:nvPr>
+            <p:ph idx="1"/>
+          </p:nvPr>
+        </p:nvSpPr>
+        <p:spPr/>
+        <p:txBody>
+          <a:bodyPr/>
+          <a:lstStyle/>
+          <a:p>
+            <a:pPr>
+              <a:lnSpc>
+                <a:spcPct val="150000"/>
+              </a:lnSpc>
+            </a:pPr>
+            <a:r>
+              <a:rPr lang="en-US" dirty="0"/>
+              <a:t>2048 is a captivating puzzle game that challenges your strategic thinking and problem-solving skills.</a:t>
+            </a:r>
+          </a:p>
+          <a:p>
+            <a:pPr>
+              <a:lnSpc>
+                <a:spcPct val="150000"/>
+              </a:lnSpc>
+            </a:pPr>
+            <a:r>
+              <a:rPr lang="en-US" dirty="0"/>
+              <a:t>With its simple rules and endless possibilities, it's no wonder that 2048 has become a favorite among puzzle enthusiasts.</a:t>
+            </a:r>
+          </a:p>
+          <a:p>
+            <a:pPr>
+              <a:lnSpc>
+                <a:spcPct val="150000"/>
+              </a:lnSpc>
+            </a:pPr>
+            <a:r>
+              <a:rPr lang="en-US" dirty="0"/>
+              <a:t>We hope this presentation has provided you with valuable insights and strategies to enhance your 2048 gameplay experience!</a:t>
+            </a:r>
+          </a:p>
+          <a:p>
+            <a:pPr>
+              <a:lnSpc>
+                <a:spcPct val="150000"/>
+              </a:lnSpc>
+            </a:pPr>
+            <a:endParaRPr lang="en-US" dirty="0"/>
+          </a:p>
+        </p:txBody>
+      </p:sp>
+    </p:spTree>
+    <p:extLst>
+      <p:ext uri="{BB962C8B-B14F-4D97-AF65-F5344CB8AC3E}">
+        <p14:creationId xmlns:p14="http://schemas.microsoft.com/office/powerpoint/2010/main" val="692519312"/>
+      </p:ext>
+    </p:extLst>
+  </p:cSld>
+  <p:clrMapOvr>
+    <a:masterClrMapping/>
+  </p:clrMapOvr>
+  <p:timing>
+    <p:tnLst>
+      <p:par>
+        <p:cTn id="1" dur="indefinite" restart="never" nodeType="tmRoot"/>
+      </p:par>
+    </p:tnLst>
+  </p:timing>
+</p:sld>
+</file>
+
+<file path=ppt/slides/slide13.xml><?xml version="1.0" encoding="utf-8"?>
+<p:sld xmlns:a="http://schemas.openxmlformats.org/drawingml/2006/main" xmlns:r="http://schemas.openxmlformats.org/officeDocument/2006/relationships" xmlns:p="http://schemas.openxmlformats.org/presentationml/2006/main">
+  <p:cSld>
+    <p:spTree>
+      <p:nvGrpSpPr>
+        <p:cNvPr id="1" name=""/>
+        <p:cNvGrpSpPr/>
+        <p:nvPr/>
+      </p:nvGrpSpPr>
+      <p:grpSpPr>
+        <a:xfrm>
+          <a:off x="0" y="0"/>
+          <a:ext cx="0" cy="0"/>
+          <a:chOff x="0" y="0"/>
+          <a:chExt cx="0" cy="0"/>
+        </a:xfrm>
+      </p:grpSpPr>
+      <p:sp>
+        <p:nvSpPr>
+          <p:cNvPr id="2" name="Title 1"/>
+          <p:cNvSpPr>
+            <a:spLocks noGrp="1"/>
+          </p:cNvSpPr>
+          <p:nvPr>
+            <p:ph type="title"/>
+          </p:nvPr>
+        </p:nvSpPr>
+        <p:spPr>
+          <a:xfrm>
+            <a:off x="685801" y="2065867"/>
+            <a:ext cx="10131425" cy="1456267"/>
+          </a:xfrm>
+        </p:spPr>
+        <p:txBody>
+          <a:bodyPr/>
+          <a:lstStyle/>
+          <a:p>
+            <a:pPr algn="ctr"/>
+            <a:r>
+              <a:rPr lang="en-US" dirty="0" smtClean="0"/>
+              <a:t>The end</a:t>
+            </a:r>
+            <a:endParaRPr lang="en-US" dirty="0"/>
+          </a:p>
+        </p:txBody>
+      </p:sp>
+      <p:sp>
+        <p:nvSpPr>
+          <p:cNvPr id="3" name="Content Placeholder 2"/>
+          <p:cNvSpPr>
+            <a:spLocks noGrp="1"/>
+          </p:cNvSpPr>
+          <p:nvPr>
+            <p:ph idx="1"/>
+          </p:nvPr>
+        </p:nvSpPr>
+        <p:spPr/>
+        <p:txBody>
+          <a:bodyPr/>
+          <a:lstStyle/>
+          <a:p>
+            <a:endParaRPr lang="en-US" dirty="0" smtClean="0"/>
+          </a:p>
+          <a:p>
+            <a:endParaRPr lang="en-US" dirty="0"/>
+          </a:p>
+          <a:p>
+            <a:endParaRPr lang="en-US" dirty="0" smtClean="0"/>
+          </a:p>
+          <a:p>
+            <a:endParaRPr lang="en-US" dirty="0"/>
+          </a:p>
+          <a:p>
+            <a:endParaRPr lang="en-US" dirty="0" smtClean="0"/>
+          </a:p>
+          <a:p>
+            <a:endParaRPr lang="en-US" dirty="0"/>
+          </a:p>
+          <a:p>
+            <a:endParaRPr lang="en-US" dirty="0" smtClean="0"/>
+          </a:p>
+          <a:p>
+            <a:endParaRPr lang="en-US" i="1" dirty="0">
+              <a:latin typeface="Castellar" panose="020A0402060406010301" pitchFamily="18" charset="0"/>
+            </a:endParaRPr>
+          </a:p>
+          <a:p>
+            <a:r>
+              <a:rPr lang="en-US" i="1" dirty="0" smtClean="0">
+                <a:latin typeface="Castellar" panose="020A0402060406010301" pitchFamily="18" charset="0"/>
+              </a:rPr>
+              <a:t>For demonstration  watch my video</a:t>
+            </a:r>
+            <a:endParaRPr lang="en-US" i="1" dirty="0">
+              <a:latin typeface="Castellar" panose="020A0402060406010301" pitchFamily="18" charset="0"/>
+            </a:endParaRPr>
+          </a:p>
+        </p:txBody>
+      </p:sp>
+    </p:spTree>
+    <p:extLst>
+      <p:ext uri="{BB962C8B-B14F-4D97-AF65-F5344CB8AC3E}">
+        <p14:creationId xmlns:p14="http://schemas.microsoft.com/office/powerpoint/2010/main" val="415413506"/>
+      </p:ext>
+    </p:extLst>
+  </p:cSld>
+  <p:clrMapOvr>
+    <a:masterClrMapping/>
+  </p:clrMapOvr>
+  <p:timing>
+    <p:tnLst>
+      <p:par>
+        <p:cTn id="1" dur="indefinite" restart="never" nodeType="tmRoot"/>
+      </p:par>
+    </p:tnLst>
+  </p:timing>
 </p:sld>
 </file>
 
@@ -6636,6 +7082,13 @@
   <p:clrMapOvr>
     <a:masterClrMapping/>
   </p:clrMapOvr>
+  <p:timing>
+    <p:tnLst>
+      <p:par>
+        <p:cTn id="1" dur="indefinite" restart="never" nodeType="tmRoot"/>
+      </p:par>
+    </p:tnLst>
+  </p:timing>
 </p:sld>
 </file>
 
@@ -6673,74 +7126,71 @@
           <a:p>
             <a:pPr algn="ctr"/>
             <a:r>
-              <a:rPr lang="en-US" b="1" dirty="0"/>
-              <a:t>What is 2048?</a:t>
-            </a:r>
-            <a:endParaRPr lang="en-US" dirty="0"/>
-          </a:p>
-        </p:txBody>
-      </p:sp>
-      <p:sp>
-        <p:nvSpPr>
-          <p:cNvPr id="3" name="Content Placeholder 2"/>
-          <p:cNvSpPr>
-            <a:spLocks noGrp="1"/>
-          </p:cNvSpPr>
+              <a:rPr lang="en-US" dirty="0" smtClean="0"/>
+              <a:t>Login form</a:t>
+            </a:r>
+            <a:endParaRPr lang="en-US" dirty="0"/>
+          </a:p>
+        </p:txBody>
+      </p:sp>
+      <p:pic>
+        <p:nvPicPr>
+          <p:cNvPr id="4" name="Content Placeholder 3"/>
+          <p:cNvPicPr>
+            <a:picLocks noGrp="1" noChangeAspect="1"/>
+          </p:cNvPicPr>
           <p:nvPr>
             <p:ph idx="1"/>
           </p:nvPr>
-        </p:nvSpPr>
-        <p:spPr/>
-        <p:txBody>
-          <a:bodyPr/>
-          <a:lstStyle/>
-          <a:p>
-            <a:pPr>
-              <a:lnSpc>
-                <a:spcPct val="150000"/>
-              </a:lnSpc>
-            </a:pPr>
-            <a:r>
-              <a:rPr lang="en-US" dirty="0"/>
-              <a:t>2048 is a single-player sliding block puzzle game.</a:t>
-            </a:r>
-          </a:p>
-          <a:p>
-            <a:pPr>
-              <a:lnSpc>
-                <a:spcPct val="150000"/>
-              </a:lnSpc>
-            </a:pPr>
-            <a:r>
-              <a:rPr lang="en-US" dirty="0"/>
-              <a:t>It was created in March 2014 by Italian web developer Gabriele </a:t>
-            </a:r>
-            <a:r>
-              <a:rPr lang="en-US" dirty="0" err="1"/>
-              <a:t>Cirulli</a:t>
-            </a:r>
-            <a:r>
-              <a:rPr lang="en-US" dirty="0"/>
-              <a:t>.</a:t>
-            </a:r>
-          </a:p>
-          <a:p>
-            <a:pPr>
-              <a:lnSpc>
-                <a:spcPct val="150000"/>
-              </a:lnSpc>
-            </a:pPr>
-            <a:r>
-              <a:rPr lang="en-US" dirty="0"/>
-              <a:t>The objective is to slide numbered tiles on a grid to combine them and create a tile with the number 2048.</a:t>
-            </a:r>
-          </a:p>
-          <a:p>
-            <a:pPr>
-              <a:lnSpc>
-                <a:spcPct val="150000"/>
-              </a:lnSpc>
-            </a:pPr>
+        </p:nvPicPr>
+        <p:blipFill>
+          <a:blip r:embed="rId2"/>
+          <a:stretch>
+            <a:fillRect/>
+          </a:stretch>
+        </p:blipFill>
+        <p:spPr>
+          <a:xfrm>
+            <a:off x="1132765" y="2065867"/>
+            <a:ext cx="6530453" cy="4361620"/>
+          </a:xfrm>
+          <a:prstGeom prst="rect">
+            <a:avLst/>
+          </a:prstGeom>
+        </p:spPr>
+      </p:pic>
+      <p:sp>
+        <p:nvSpPr>
+          <p:cNvPr id="5" name="TextBox 4"/>
+          <p:cNvSpPr txBox="1"/>
+          <p:nvPr/>
+        </p:nvSpPr>
+        <p:spPr>
+          <a:xfrm>
+            <a:off x="8393372" y="2852383"/>
+            <a:ext cx="3118515" cy="923330"/>
+          </a:xfrm>
+          <a:prstGeom prst="rect">
+            <a:avLst/>
+          </a:prstGeom>
+          <a:noFill/>
+        </p:spPr>
+        <p:txBody>
+          <a:bodyPr wrap="square" rtlCol="0">
+            <a:spAutoFit/>
+          </a:bodyPr>
+          <a:lstStyle/>
+          <a:p>
+            <a:r>
+              <a:rPr lang="en-US" dirty="0" smtClean="0"/>
+              <a:t>Once user enter its credentials,</a:t>
+            </a:r>
+          </a:p>
+          <a:p>
+            <a:r>
+              <a:rPr lang="en-US" dirty="0" smtClean="0"/>
+              <a:t> the credentials are sent to game database  in login table </a:t>
+            </a:r>
             <a:endParaRPr lang="en-US" dirty="0"/>
           </a:p>
         </p:txBody>
@@ -6748,13 +7198,20 @@
     </p:spTree>
     <p:extLst>
       <p:ext uri="{BB962C8B-B14F-4D97-AF65-F5344CB8AC3E}">
-        <p14:creationId xmlns:p14="http://schemas.microsoft.com/office/powerpoint/2010/main" val="2126530490"/>
+        <p14:creationId xmlns:p14="http://schemas.microsoft.com/office/powerpoint/2010/main" val="3337828406"/>
       </p:ext>
     </p:extLst>
   </p:cSld>
   <p:clrMapOvr>
     <a:masterClrMapping/>
   </p:clrMapOvr>
+  <p:timing>
+    <p:tnLst>
+      <p:par>
+        <p:cTn id="1" dur="indefinite" restart="never" nodeType="tmRoot"/>
+      </p:par>
+    </p:tnLst>
+  </p:timing>
 </p:sld>
 </file>
 
@@ -6793,7 +7250,7 @@
             <a:pPr algn="ctr"/>
             <a:r>
               <a:rPr lang="en-US" b="1" dirty="0"/>
-              <a:t>Game Mechanics</a:t>
+              <a:t>What is 2048?</a:t>
             </a:r>
             <a:endParaRPr lang="en-US" dirty="0"/>
           </a:p>
@@ -6821,7 +7278,7 @@
             </a:pPr>
             <a:r>
               <a:rPr lang="en-US" dirty="0"/>
-              <a:t>The game is played on a 4x4 grid.</a:t>
+              <a:t>2048 is a single-player sliding block puzzle game.</a:t>
             </a:r>
           </a:p>
           <a:p>
@@ -6832,7 +7289,15 @@
             </a:pPr>
             <a:r>
               <a:rPr lang="en-US" dirty="0"/>
-              <a:t>Tiles with numbers (powers of 2) appear randomly on the grid.</a:t>
+              <a:t>It was created in March 2014 by Italian web developer Gabriele </a:t>
+            </a:r>
+            <a:r>
+              <a:rPr lang="en-US" dirty="0" err="1"/>
+              <a:t>Cirulli</a:t>
+            </a:r>
+            <a:r>
+              <a:rPr lang="en-US" dirty="0"/>
+              <a:t>.</a:t>
             </a:r>
           </a:p>
           <a:p>
@@ -6843,7 +7308,7 @@
             </a:pPr>
             <a:r>
               <a:rPr lang="en-US" dirty="0"/>
-              <a:t>You move tiles by sliding them in four directions: up, down, left, or right.</a:t>
+              <a:t>The objective is to slide numbered tiles on a grid to combine them and create a tile with the number 2048.</a:t>
             </a:r>
           </a:p>
           <a:p>
@@ -6852,17 +7317,6 @@
                 <a:spcPct val="150000"/>
               </a:lnSpc>
             </a:pPr>
-            <a:r>
-              <a:rPr lang="en-US" dirty="0"/>
-              <a:t>When two tiles with the same number touch, they merge into one tile with the sum of their values.</a:t>
-            </a:r>
-          </a:p>
-          <a:p>
-            <a:pPr>
-              <a:lnSpc>
-                <a:spcPct val="150000"/>
-              </a:lnSpc>
-            </a:pPr>
             <a:endParaRPr lang="en-US" dirty="0"/>
           </a:p>
         </p:txBody>
@@ -6870,13 +7324,20 @@
     </p:spTree>
     <p:extLst>
       <p:ext uri="{BB962C8B-B14F-4D97-AF65-F5344CB8AC3E}">
-        <p14:creationId xmlns:p14="http://schemas.microsoft.com/office/powerpoint/2010/main" val="2518378577"/>
+        <p14:creationId xmlns:p14="http://schemas.microsoft.com/office/powerpoint/2010/main" val="2126530490"/>
       </p:ext>
     </p:extLst>
   </p:cSld>
   <p:clrMapOvr>
     <a:masterClrMapping/>
   </p:clrMapOvr>
+  <p:timing>
+    <p:tnLst>
+      <p:par>
+        <p:cTn id="1" dur="indefinite" restart="never" nodeType="tmRoot"/>
+      </p:par>
+    </p:tnLst>
+  </p:timing>
 </p:sld>
 </file>
 
@@ -6915,7 +7376,7 @@
             <a:pPr algn="ctr"/>
             <a:r>
               <a:rPr lang="en-US" b="1" dirty="0"/>
-              <a:t>Objective</a:t>
+              <a:t>Game Mechanics</a:t>
             </a:r>
             <a:endParaRPr lang="en-US" dirty="0"/>
           </a:p>
@@ -6943,7 +7404,7 @@
             </a:pPr>
             <a:r>
               <a:rPr lang="en-US" dirty="0"/>
-              <a:t>The ultimate goal is to create a tile with the number 2048.</a:t>
+              <a:t>The game is played on a 4x4 grid.</a:t>
             </a:r>
           </a:p>
           <a:p>
@@ -6954,7 +7415,7 @@
             </a:pPr>
             <a:r>
               <a:rPr lang="en-US" dirty="0"/>
-              <a:t>But don't stop there! You can keep playing to achieve higher numbers and higher scores.</a:t>
+              <a:t>Tiles with numbers (powers of 2) appear randomly on the grid.</a:t>
             </a:r>
           </a:p>
           <a:p>
@@ -6965,7 +7426,7 @@
             </a:pPr>
             <a:r>
               <a:rPr lang="en-US" dirty="0"/>
-              <a:t>The game ends when the grid fills up and there are no more moves available.</a:t>
+              <a:t>You move tiles by sliding them in four directions: up, down, left, or right.</a:t>
             </a:r>
           </a:p>
           <a:p>
@@ -6974,6 +7435,17 @@
                 <a:spcPct val="150000"/>
               </a:lnSpc>
             </a:pPr>
+            <a:r>
+              <a:rPr lang="en-US" dirty="0"/>
+              <a:t>When two tiles with the same number touch, they merge into one tile with the sum of their values.</a:t>
+            </a:r>
+          </a:p>
+          <a:p>
+            <a:pPr>
+              <a:lnSpc>
+                <a:spcPct val="150000"/>
+              </a:lnSpc>
+            </a:pPr>
             <a:endParaRPr lang="en-US" dirty="0"/>
           </a:p>
         </p:txBody>
@@ -6981,13 +7453,20 @@
     </p:spTree>
     <p:extLst>
       <p:ext uri="{BB962C8B-B14F-4D97-AF65-F5344CB8AC3E}">
-        <p14:creationId xmlns:p14="http://schemas.microsoft.com/office/powerpoint/2010/main" val="2563363334"/>
+        <p14:creationId xmlns:p14="http://schemas.microsoft.com/office/powerpoint/2010/main" val="2518378577"/>
       </p:ext>
     </p:extLst>
   </p:cSld>
   <p:clrMapOvr>
     <a:masterClrMapping/>
   </p:clrMapOvr>
+  <p:timing>
+    <p:tnLst>
+      <p:par>
+        <p:cTn id="1" dur="indefinite" restart="never" nodeType="tmRoot"/>
+      </p:par>
+    </p:tnLst>
+  </p:timing>
 </p:sld>
 </file>
 
@@ -7025,118 +7504,56 @@
           <a:p>
             <a:pPr algn="ctr"/>
             <a:r>
-              <a:rPr lang="en-US" b="1" dirty="0"/>
-              <a:t>Tips for Success</a:t>
-            </a:r>
-            <a:endParaRPr lang="en-US" dirty="0"/>
-          </a:p>
-        </p:txBody>
-      </p:sp>
-      <p:sp>
-        <p:nvSpPr>
-          <p:cNvPr id="3" name="Content Placeholder 2"/>
-          <p:cNvSpPr>
-            <a:spLocks noGrp="1"/>
-          </p:cNvSpPr>
+              <a:rPr lang="en-US" dirty="0" smtClean="0"/>
+              <a:t>Game board </a:t>
+            </a:r>
+            <a:endParaRPr lang="en-US" dirty="0"/>
+          </a:p>
+        </p:txBody>
+      </p:sp>
+      <p:pic>
+        <p:nvPicPr>
+          <p:cNvPr id="4" name="Content Placeholder 3"/>
+          <p:cNvPicPr>
+            <a:picLocks noGrp="1" noChangeAspect="1"/>
+          </p:cNvPicPr>
           <p:nvPr>
             <p:ph idx="1"/>
           </p:nvPr>
-        </p:nvSpPr>
-        <p:spPr/>
-        <p:txBody>
-          <a:bodyPr/>
-          <a:lstStyle/>
-          <a:p>
-            <a:pPr>
-              <a:lnSpc>
-                <a:spcPct val="150000"/>
-              </a:lnSpc>
-            </a:pPr>
-            <a:r>
-              <a:rPr lang="en-US" b="1" dirty="0" smtClean="0"/>
-              <a:t>Plan </a:t>
-            </a:r>
-            <a:r>
-              <a:rPr lang="en-US" b="1" dirty="0"/>
-              <a:t>Ahead:</a:t>
-            </a:r>
-            <a:r>
-              <a:rPr lang="en-US" dirty="0"/>
-              <a:t> Anticipate the consequences of each move before making it.</a:t>
-            </a:r>
-          </a:p>
-          <a:p>
-            <a:pPr>
-              <a:lnSpc>
-                <a:spcPct val="150000"/>
-              </a:lnSpc>
-            </a:pPr>
-            <a:r>
-              <a:rPr lang="en-US" b="1" dirty="0" smtClean="0"/>
-              <a:t>Keep </a:t>
-            </a:r>
-            <a:r>
-              <a:rPr lang="en-US" b="1" dirty="0"/>
-              <a:t>the Board Open:</a:t>
-            </a:r>
-            <a:r>
-              <a:rPr lang="en-US" dirty="0"/>
-              <a:t> Try to maintain as much open space as possible to allow for more tile movements.</a:t>
-            </a:r>
-          </a:p>
-          <a:p>
-            <a:pPr>
-              <a:lnSpc>
-                <a:spcPct val="150000"/>
-              </a:lnSpc>
-            </a:pPr>
-            <a:r>
-              <a:rPr lang="en-US" b="1" dirty="0" smtClean="0"/>
-              <a:t> </a:t>
-            </a:r>
-            <a:r>
-              <a:rPr lang="en-US" b="1" dirty="0"/>
-              <a:t>Focus on the Largest Tile:</a:t>
-            </a:r>
-            <a:r>
-              <a:rPr lang="en-US" dirty="0"/>
-              <a:t> Prioritize merging tiles to build towards the highest number tile.</a:t>
-            </a:r>
-          </a:p>
-          <a:p>
-            <a:pPr>
-              <a:lnSpc>
-                <a:spcPct val="150000"/>
-              </a:lnSpc>
-            </a:pPr>
-            <a:r>
-              <a:rPr lang="en-US" b="1" dirty="0" smtClean="0"/>
-              <a:t> </a:t>
-            </a:r>
-            <a:r>
-              <a:rPr lang="en-US" b="1" dirty="0"/>
-              <a:t>Don't Chase High Values:</a:t>
-            </a:r>
-            <a:r>
-              <a:rPr lang="en-US" dirty="0"/>
-              <a:t> While aiming for high-value tiles is important, avoid sacrificing the game's flow for it.</a:t>
-            </a:r>
-          </a:p>
-          <a:p>
-            <a:endParaRPr lang="en-US" dirty="0"/>
-          </a:p>
-        </p:txBody>
-      </p:sp>
+        </p:nvPicPr>
+        <p:blipFill>
+          <a:blip r:embed="rId2"/>
+          <a:stretch>
+            <a:fillRect/>
+          </a:stretch>
+        </p:blipFill>
+        <p:spPr>
+          <a:xfrm>
+            <a:off x="2210938" y="2271192"/>
+            <a:ext cx="6714698" cy="4463978"/>
+          </a:xfrm>
+          <a:prstGeom prst="rect">
+            <a:avLst/>
+          </a:prstGeom>
+        </p:spPr>
+      </p:pic>
     </p:spTree>
     <p:extLst>
       <p:ext uri="{BB962C8B-B14F-4D97-AF65-F5344CB8AC3E}">
-        <p14:creationId xmlns:p14="http://schemas.microsoft.com/office/powerpoint/2010/main" val="2777145158"/>
+        <p14:creationId xmlns:p14="http://schemas.microsoft.com/office/powerpoint/2010/main" val="3271666470"/>
       </p:ext>
     </p:extLst>
   </p:cSld>
   <p:clrMapOvr>
     <a:masterClrMapping/>
   </p:clrMapOvr>
+  <p:timing>
+    <p:tnLst>
+      <p:par>
+        <p:cTn id="1" dur="indefinite" restart="never" nodeType="tmRoot"/>
+      </p:par>
+    </p:tnLst>
+  </p:timing>
 </p:sld>
 </file>
 
@@ -7175,7 +7592,7 @@
             <a:pPr algn="ctr"/>
             <a:r>
               <a:rPr lang="en-US" b="1" dirty="0"/>
-              <a:t>Conclusion</a:t>
+              <a:t>Objective</a:t>
             </a:r>
             <a:endParaRPr lang="en-US" dirty="0"/>
           </a:p>
@@ -7203,7 +7620,7 @@
             </a:pPr>
             <a:r>
               <a:rPr lang="en-US" dirty="0"/>
-              <a:t>2048 is a captivating puzzle game that challenges your strategic thinking and problem-solving skills.</a:t>
+              <a:t>The ultimate goal is to create a tile with the number 2048.</a:t>
             </a:r>
           </a:p>
           <a:p>
@@ -7214,7 +7631,7 @@
             </a:pPr>
             <a:r>
               <a:rPr lang="en-US" dirty="0"/>
-              <a:t>With its simple rules and endless possibilities, it's no wonder that 2048 has become a favorite among puzzle enthusiasts.</a:t>
+              <a:t>But don't stop there! You can keep playing to achieve higher numbers and higher scores.</a:t>
             </a:r>
           </a:p>
           <a:p>
@@ -7225,7 +7642,7 @@
             </a:pPr>
             <a:r>
               <a:rPr lang="en-US" dirty="0"/>
-              <a:t>We hope this presentation has provided you with valuable insights and strategies to enhance your 2048 gameplay experience!</a:t>
+              <a:t>The game ends when the grid fills up and there are no more moves available.</a:t>
             </a:r>
           </a:p>
           <a:p>
@@ -7241,13 +7658,20 @@
     </p:spTree>
     <p:extLst>
       <p:ext uri="{BB962C8B-B14F-4D97-AF65-F5344CB8AC3E}">
-        <p14:creationId xmlns:p14="http://schemas.microsoft.com/office/powerpoint/2010/main" val="692519312"/>
+        <p14:creationId xmlns:p14="http://schemas.microsoft.com/office/powerpoint/2010/main" val="2563363334"/>
       </p:ext>
     </p:extLst>
   </p:cSld>
   <p:clrMapOvr>
     <a:masterClrMapping/>
   </p:clrMapOvr>
+  <p:timing>
+    <p:tnLst>
+      <p:par>
+        <p:cTn id="1" dur="indefinite" restart="never" nodeType="tmRoot"/>
+      </p:par>
+    </p:tnLst>
+  </p:timing>
 </p:sld>
 </file>
 
@@ -7278,20 +7702,15 @@
             <p:ph type="title"/>
           </p:nvPr>
         </p:nvSpPr>
-        <p:spPr>
-          <a:xfrm>
-            <a:off x="685801" y="2065867"/>
-            <a:ext cx="10131425" cy="1456267"/>
-          </a:xfrm>
-        </p:spPr>
+        <p:spPr/>
         <p:txBody>
           <a:bodyPr/>
           <a:lstStyle/>
           <a:p>
             <a:pPr algn="ctr"/>
             <a:r>
-              <a:rPr lang="en-US" dirty="0" smtClean="0"/>
-              <a:t>The end</a:t>
+              <a:rPr lang="en-US" b="1" dirty="0"/>
+              <a:t>Tips for Success</a:t>
             </a:r>
             <a:endParaRPr lang="en-US" dirty="0"/>
           </a:p>
@@ -7312,54 +7731,274 @@
           <a:bodyPr/>
           <a:lstStyle/>
           <a:p>
-            <a:endParaRPr lang="en-US" dirty="0" smtClean="0"/>
-          </a:p>
-          <a:p>
-            <a:endParaRPr lang="en-US" dirty="0"/>
-          </a:p>
-          <a:p>
-            <a:endParaRPr lang="en-US" dirty="0" smtClean="0"/>
-          </a:p>
-          <a:p>
-            <a:endParaRPr lang="en-US" dirty="0"/>
-          </a:p>
-          <a:p>
-            <a:endParaRPr lang="en-US" dirty="0" smtClean="0"/>
-          </a:p>
-          <a:p>
-            <a:endParaRPr lang="en-US" dirty="0"/>
-          </a:p>
-          <a:p>
-            <a:endParaRPr lang="en-US" dirty="0" smtClean="0"/>
-          </a:p>
-          <a:p>
-            <a:endParaRPr lang="en-US" i="1" dirty="0">
-              <a:latin typeface="Castellar" panose="020A0402060406010301" pitchFamily="18" charset="0"/>
-            </a:endParaRPr>
-          </a:p>
-          <a:p>
-            <a:r>
-              <a:rPr lang="en-US" i="1" dirty="0" smtClean="0">
-                <a:latin typeface="Castellar" panose="020A0402060406010301" pitchFamily="18" charset="0"/>
-              </a:rPr>
-              <a:t>For demonstration  watch my video</a:t>
-            </a:r>
-            <a:endParaRPr lang="en-US" i="1" dirty="0">
-              <a:latin typeface="Castellar" panose="020A0402060406010301" pitchFamily="18" charset="0"/>
-            </a:endParaRPr>
+            <a:pPr>
+              <a:lnSpc>
+                <a:spcPct val="150000"/>
+              </a:lnSpc>
+            </a:pPr>
+            <a:r>
+              <a:rPr lang="en-US" b="1" dirty="0" smtClean="0"/>
+              <a:t>Plan </a:t>
+            </a:r>
+            <a:r>
+              <a:rPr lang="en-US" b="1" dirty="0"/>
+              <a:t>Ahead:</a:t>
+            </a:r>
+            <a:r>
+              <a:rPr lang="en-US" dirty="0"/>
+              <a:t> Anticipate the consequences of each move before making it.</a:t>
+            </a:r>
+          </a:p>
+          <a:p>
+            <a:pPr>
+              <a:lnSpc>
+                <a:spcPct val="150000"/>
+              </a:lnSpc>
+            </a:pPr>
+            <a:r>
+              <a:rPr lang="en-US" b="1" dirty="0" smtClean="0"/>
+              <a:t>Keep </a:t>
+            </a:r>
+            <a:r>
+              <a:rPr lang="en-US" b="1" dirty="0"/>
+              <a:t>the Board Open:</a:t>
+            </a:r>
+            <a:r>
+              <a:rPr lang="en-US" dirty="0"/>
+              <a:t> Try to maintain as much open space as possible to allow for more tile movements.</a:t>
+            </a:r>
+          </a:p>
+          <a:p>
+            <a:pPr>
+              <a:lnSpc>
+                <a:spcPct val="150000"/>
+              </a:lnSpc>
+            </a:pPr>
+            <a:r>
+              <a:rPr lang="en-US" b="1" dirty="0" smtClean="0"/>
+              <a:t> </a:t>
+            </a:r>
+            <a:r>
+              <a:rPr lang="en-US" b="1" dirty="0"/>
+              <a:t>Focus on the Largest Tile:</a:t>
+            </a:r>
+            <a:r>
+              <a:rPr lang="en-US" dirty="0"/>
+              <a:t> Prioritize merging tiles to build towards the highest number tile.</a:t>
+            </a:r>
+          </a:p>
+          <a:p>
+            <a:pPr>
+              <a:lnSpc>
+                <a:spcPct val="150000"/>
+              </a:lnSpc>
+            </a:pPr>
+            <a:r>
+              <a:rPr lang="en-US" b="1" dirty="0" smtClean="0"/>
+              <a:t> </a:t>
+            </a:r>
+            <a:r>
+              <a:rPr lang="en-US" b="1" dirty="0"/>
+              <a:t>Don't Chase High Values:</a:t>
+            </a:r>
+            <a:r>
+              <a:rPr lang="en-US" dirty="0"/>
+              <a:t> While aiming for high-value tiles is important, avoid sacrificing the game's flow for it.</a:t>
+            </a:r>
+          </a:p>
+          <a:p>
+            <a:endParaRPr lang="en-US" dirty="0"/>
           </a:p>
         </p:txBody>
       </p:sp>
     </p:spTree>
     <p:extLst>
       <p:ext uri="{BB962C8B-B14F-4D97-AF65-F5344CB8AC3E}">
-        <p14:creationId xmlns:p14="http://schemas.microsoft.com/office/powerpoint/2010/main" val="415413506"/>
+        <p14:creationId xmlns:p14="http://schemas.microsoft.com/office/powerpoint/2010/main" val="2777145158"/>
       </p:ext>
     </p:extLst>
   </p:cSld>
   <p:clrMapOvr>
     <a:masterClrMapping/>
   </p:clrMapOvr>
+  <p:timing>
+    <p:tnLst>
+      <p:par>
+        <p:cTn id="1" dur="indefinite" restart="never" nodeType="tmRoot"/>
+      </p:par>
+    </p:tnLst>
+  </p:timing>
+</p:sld>
+</file>
+
+<file path=ppt/slides/slide9.xml><?xml version="1.0" encoding="utf-8"?>
+<p:sld xmlns:a="http://schemas.openxmlformats.org/drawingml/2006/main" xmlns:r="http://schemas.openxmlformats.org/officeDocument/2006/relationships" xmlns:p="http://schemas.openxmlformats.org/presentationml/2006/main">
+  <p:cSld>
+    <p:spTree>
+      <p:nvGrpSpPr>
+        <p:cNvPr id="1" name=""/>
+        <p:cNvGrpSpPr/>
+        <p:nvPr/>
+      </p:nvGrpSpPr>
+      <p:grpSpPr>
+        <a:xfrm>
+          <a:off x="0" y="0"/>
+          <a:ext cx="0" cy="0"/>
+          <a:chOff x="0" y="0"/>
+          <a:chExt cx="0" cy="0"/>
+        </a:xfrm>
+      </p:grpSpPr>
+      <p:sp>
+        <p:nvSpPr>
+          <p:cNvPr id="2" name="Title 1"/>
+          <p:cNvSpPr>
+            <a:spLocks noGrp="1"/>
+          </p:cNvSpPr>
+          <p:nvPr>
+            <p:ph type="title"/>
+          </p:nvPr>
+        </p:nvSpPr>
+        <p:spPr/>
+        <p:txBody>
+          <a:bodyPr/>
+          <a:lstStyle/>
+          <a:p>
+            <a:pPr algn="ctr"/>
+            <a:r>
+              <a:rPr lang="en-US" dirty="0" smtClean="0"/>
+              <a:t>Backend </a:t>
+            </a:r>
+            <a:endParaRPr lang="en-US" dirty="0"/>
+          </a:p>
+        </p:txBody>
+      </p:sp>
+      <p:pic>
+        <p:nvPicPr>
+          <p:cNvPr id="4" name="Content Placeholder 3"/>
+          <p:cNvPicPr>
+            <a:picLocks noGrp="1" noChangeAspect="1"/>
+          </p:cNvPicPr>
+          <p:nvPr>
+            <p:ph idx="1"/>
+          </p:nvPr>
+        </p:nvPicPr>
+        <p:blipFill>
+          <a:blip r:embed="rId2"/>
+          <a:stretch>
+            <a:fillRect/>
+          </a:stretch>
+        </p:blipFill>
+        <p:spPr>
+          <a:xfrm>
+            <a:off x="1805246" y="2403541"/>
+            <a:ext cx="3277116" cy="3119674"/>
+          </a:xfrm>
+          <a:prstGeom prst="rect">
+            <a:avLst/>
+          </a:prstGeom>
+        </p:spPr>
+      </p:pic>
+      <p:pic>
+        <p:nvPicPr>
+          <p:cNvPr id="5" name="Picture 4"/>
+          <p:cNvPicPr>
+            <a:picLocks noChangeAspect="1"/>
+          </p:cNvPicPr>
+          <p:nvPr/>
+        </p:nvPicPr>
+        <p:blipFill>
+          <a:blip r:embed="rId3"/>
+          <a:stretch>
+            <a:fillRect/>
+          </a:stretch>
+        </p:blipFill>
+        <p:spPr>
+          <a:xfrm>
+            <a:off x="6040476" y="2346834"/>
+            <a:ext cx="4188046" cy="3119674"/>
+          </a:xfrm>
+          <a:prstGeom prst="rect">
+            <a:avLst/>
+          </a:prstGeom>
+        </p:spPr>
+      </p:pic>
+      <p:sp>
+        <p:nvSpPr>
+          <p:cNvPr id="7" name="TextBox 6"/>
+          <p:cNvSpPr txBox="1"/>
+          <p:nvPr/>
+        </p:nvSpPr>
+        <p:spPr>
+          <a:xfrm>
+            <a:off x="2459666" y="5784112"/>
+            <a:ext cx="2480930" cy="369332"/>
+          </a:xfrm>
+          <a:prstGeom prst="rect">
+            <a:avLst/>
+          </a:prstGeom>
+          <a:noFill/>
+        </p:spPr>
+        <p:txBody>
+          <a:bodyPr wrap="square" rtlCol="0">
+            <a:spAutoFit/>
+          </a:bodyPr>
+          <a:lstStyle/>
+          <a:p>
+            <a:r>
+              <a:rPr lang="en-US" dirty="0" smtClean="0"/>
+              <a:t>All Databases </a:t>
+            </a:r>
+            <a:endParaRPr lang="en-US" dirty="0"/>
+          </a:p>
+        </p:txBody>
+      </p:sp>
+      <p:sp>
+        <p:nvSpPr>
+          <p:cNvPr id="8" name="TextBox 7"/>
+          <p:cNvSpPr txBox="1"/>
+          <p:nvPr/>
+        </p:nvSpPr>
+        <p:spPr>
+          <a:xfrm>
+            <a:off x="6996223" y="5671435"/>
+            <a:ext cx="2140688" cy="369332"/>
+          </a:xfrm>
+          <a:prstGeom prst="rect">
+            <a:avLst/>
+          </a:prstGeom>
+          <a:noFill/>
+        </p:spPr>
+        <p:txBody>
+          <a:bodyPr wrap="square" rtlCol="0">
+            <a:spAutoFit/>
+          </a:bodyPr>
+          <a:lstStyle/>
+          <a:p>
+            <a:r>
+              <a:rPr lang="en-US" dirty="0" smtClean="0"/>
+              <a:t>Maintained Records</a:t>
+            </a:r>
+            <a:endParaRPr lang="en-US" dirty="0"/>
+          </a:p>
+        </p:txBody>
+      </p:sp>
+    </p:spTree>
+    <p:extLst>
+      <p:ext uri="{BB962C8B-B14F-4D97-AF65-F5344CB8AC3E}">
+        <p14:creationId xmlns:p14="http://schemas.microsoft.com/office/powerpoint/2010/main" val="3975089853"/>
+      </p:ext>
+    </p:extLst>
+  </p:cSld>
+  <p:clrMapOvr>
+    <a:masterClrMapping/>
+  </p:clrMapOvr>
+  <p:timing>
+    <p:tnLst>
+      <p:par>
+        <p:cTn id="1" dur="indefinite" restart="never" nodeType="tmRoot"/>
+      </p:par>
+    </p:tnLst>
+  </p:timing>
 </p:sld>
 </file>
 
@@ -8444,16 +9083,16 @@
 <file path=customXml/itemProps1.xml><?xml version="1.0" encoding="utf-8"?>
 <ds:datastoreItem xmlns:ds="http://schemas.openxmlformats.org/officeDocument/2006/customXml" ds:itemID="{4415B3C4-7FB6-414C-8C24-8862C0E6C9F3}">
   <ds:schemaRefs>
+    <ds:schemaRef ds:uri="http://schemas.microsoft.com/office/2006/metadata/properties"/>
+    <ds:schemaRef ds:uri="http://schemas.microsoft.com/office/2006/documentManagement/types"/>
+    <ds:schemaRef ds:uri="16c05727-aa75-4e4a-9b5f-8a80a1165891"/>
+    <ds:schemaRef ds:uri="http://purl.org/dc/dcmitype/"/>
+    <ds:schemaRef ds:uri="http://purl.org/dc/elements/1.1/"/>
     <ds:schemaRef ds:uri="http://schemas.microsoft.com/office/infopath/2007/PartnerControls"/>
+    <ds:schemaRef ds:uri="http://schemas.openxmlformats.org/package/2006/metadata/core-properties"/>
+    <ds:schemaRef ds:uri="71af3243-3dd4-4a8d-8c0d-dd76da1f02a5"/>
     <ds:schemaRef ds:uri="http://www.w3.org/XML/1998/namespace"/>
-    <ds:schemaRef ds:uri="http://schemas.microsoft.com/office/2006/documentManagement/types"/>
-    <ds:schemaRef ds:uri="http://schemas.microsoft.com/office/2006/metadata/properties"/>
-    <ds:schemaRef ds:uri="71af3243-3dd4-4a8d-8c0d-dd76da1f02a5"/>
-    <ds:schemaRef ds:uri="http://purl.org/dc/elements/1.1/"/>
-    <ds:schemaRef ds:uri="16c05727-aa75-4e4a-9b5f-8a80a1165891"/>
     <ds:schemaRef ds:uri="http://purl.org/dc/terms/"/>
-    <ds:schemaRef ds:uri="http://schemas.openxmlformats.org/package/2006/metadata/core-properties"/>
-    <ds:schemaRef ds:uri="http://purl.org/dc/dcmitype/"/>
   </ds:schemaRefs>
 </ds:datastoreItem>
 </file>
